--- a/CSE312  SE & PM - Group 5.pptx
+++ b/CSE312  SE & PM - Group 5.pptx
@@ -17,23 +17,24 @@
     <p:sldId id="262" r:id="rId12"/>
     <p:sldId id="263" r:id="rId13"/>
     <p:sldId id="264" r:id="rId14"/>
+    <p:sldId id="265" r:id="rId15"/>
   </p:sldIdLst>
   <p:sldSz cy="5143500" cx="9144000"/>
   <p:notesSz cx="6858000" cy="9144000"/>
   <p:embeddedFontLst>
     <p:embeddedFont>
       <p:font typeface="Roboto"/>
-      <p:regular r:id="rId15"/>
-      <p:bold r:id="rId16"/>
-      <p:italic r:id="rId17"/>
-      <p:boldItalic r:id="rId18"/>
+      <p:regular r:id="rId16"/>
+      <p:bold r:id="rId17"/>
+      <p:italic r:id="rId18"/>
+      <p:boldItalic r:id="rId19"/>
     </p:embeddedFont>
     <p:embeddedFont>
       <p:font typeface="Merriweather"/>
-      <p:regular r:id="rId19"/>
-      <p:bold r:id="rId20"/>
-      <p:italic r:id="rId21"/>
-      <p:boldItalic r:id="rId22"/>
+      <p:regular r:id="rId20"/>
+      <p:bold r:id="rId21"/>
+      <p:italic r:id="rId22"/>
+      <p:boldItalic r:id="rId23"/>
     </p:embeddedFont>
   </p:embeddedFontLst>
   <p:defaultTextStyle>
@@ -809,6 +810,105 @@
 </p:notes>
 </file>
 
+<file path=ppt/notesSlides/notesSlide10.xml><?xml version="1.0" encoding="utf-8"?>
+<p:notes xmlns:a="http://schemas.openxmlformats.org/drawingml/2006/main" xmlns:r="http://schemas.openxmlformats.org/officeDocument/2006/relationships" xmlns:mc="http://schemas.openxmlformats.org/markup-compatibility/2006" xmlns:mv="urn:schemas-microsoft-com:mac:vml" xmlns:p="http://schemas.openxmlformats.org/presentationml/2006/main" xmlns:c="http://schemas.openxmlformats.org/drawingml/2006/chart" xmlns:dgm="http://schemas.openxmlformats.org/drawingml/2006/diagram" xmlns:o="urn:schemas-microsoft-com:office:office" xmlns:v="urn:schemas-microsoft-com:vml" xmlns:pvml="urn:schemas-microsoft-com:office:powerpoint" xmlns:com="http://schemas.openxmlformats.org/drawingml/2006/compatibility" xmlns:p14="http://schemas.microsoft.com/office/powerpoint/2010/main" xmlns:p15="http://schemas.microsoft.com/office/powerpoint/2012/main" xmlns:ahyp="http://schemas.microsoft.com/office/drawing/2018/hyperlinkcolor" showMasterPhAnim="0" showMasterSp="0">
+  <p:cSld>
+    <p:spTree>
+      <p:nvGrpSpPr>
+        <p:cNvPr id="117" name="Shape 117"/>
+        <p:cNvGrpSpPr/>
+        <p:nvPr/>
+      </p:nvGrpSpPr>
+      <p:grpSpPr>
+        <a:xfrm>
+          <a:off x="0" y="0"/>
+          <a:ext cx="0" cy="0"/>
+          <a:chOff x="0" y="0"/>
+          <a:chExt cx="0" cy="0"/>
+        </a:xfrm>
+      </p:grpSpPr>
+      <p:sp>
+        <p:nvSpPr>
+          <p:cNvPr id="118" name="Google Shape;118;g16f2ef75028_5_1:notes"/>
+          <p:cNvSpPr/>
+          <p:nvPr>
+            <p:ph idx="2" type="sldImg"/>
+          </p:nvPr>
+        </p:nvSpPr>
+        <p:spPr>
+          <a:xfrm>
+            <a:off x="381300" y="685800"/>
+            <a:ext cx="6096000" cy="3429000"/>
+          </a:xfrm>
+          <a:custGeom>
+            <a:rect b="b" l="l" r="r" t="t"/>
+            <a:pathLst>
+              <a:path extrusionOk="0" h="120000" w="120000">
+                <a:moveTo>
+                  <a:pt x="0" y="0"/>
+                </a:moveTo>
+                <a:lnTo>
+                  <a:pt x="120000" y="0"/>
+                </a:lnTo>
+                <a:lnTo>
+                  <a:pt x="120000" y="120000"/>
+                </a:lnTo>
+                <a:lnTo>
+                  <a:pt x="0" y="120000"/>
+                </a:lnTo>
+                <a:close/>
+              </a:path>
+            </a:pathLst>
+          </a:custGeom>
+        </p:spPr>
+      </p:sp>
+      <p:sp>
+        <p:nvSpPr>
+          <p:cNvPr id="119" name="Google Shape;119;g16f2ef75028_5_1:notes"/>
+          <p:cNvSpPr txBox="1"/>
+          <p:nvPr>
+            <p:ph idx="1" type="body"/>
+          </p:nvPr>
+        </p:nvSpPr>
+        <p:spPr>
+          <a:xfrm>
+            <a:off x="685800" y="4343400"/>
+            <a:ext cx="5486400" cy="4114800"/>
+          </a:xfrm>
+          <a:prstGeom prst="rect">
+            <a:avLst/>
+          </a:prstGeom>
+        </p:spPr>
+        <p:txBody>
+          <a:bodyPr anchorCtr="0" anchor="t" bIns="91425" lIns="91425" spcFirstLastPara="1" rIns="91425" wrap="square" tIns="91425">
+            <a:noAutofit/>
+          </a:bodyPr>
+          <a:lstStyle/>
+          <a:p>
+            <a:pPr indent="0" lvl="0" marL="0" rtl="0" algn="l">
+              <a:spcBef>
+                <a:spcPts val="0"/>
+              </a:spcBef>
+              <a:spcAft>
+                <a:spcPts val="0"/>
+              </a:spcAft>
+              <a:buNone/>
+            </a:pPr>
+            <a:r>
+              <a:t/>
+            </a:r>
+            <a:endParaRPr/>
+          </a:p>
+        </p:txBody>
+      </p:sp>
+    </p:spTree>
+  </p:cSld>
+  <p:clrMapOvr>
+    <a:masterClrMapping/>
+  </p:clrMapOvr>
+</p:notes>
+</file>
+
 <file path=ppt/notesSlides/notesSlide2.xml><?xml version="1.0" encoding="utf-8"?>
 <p:notes xmlns:a="http://schemas.openxmlformats.org/drawingml/2006/main" xmlns:r="http://schemas.openxmlformats.org/officeDocument/2006/relationships" xmlns:mc="http://schemas.openxmlformats.org/markup-compatibility/2006" xmlns:mv="urn:schemas-microsoft-com:mac:vml" xmlns:p="http://schemas.openxmlformats.org/presentationml/2006/main" xmlns:c="http://schemas.openxmlformats.org/drawingml/2006/chart" xmlns:dgm="http://schemas.openxmlformats.org/drawingml/2006/diagram" xmlns:o="urn:schemas-microsoft-com:office:office" xmlns:v="urn:schemas-microsoft-com:vml" xmlns:pvml="urn:schemas-microsoft-com:office:powerpoint" xmlns:com="http://schemas.openxmlformats.org/drawingml/2006/compatibility" xmlns:p14="http://schemas.microsoft.com/office/powerpoint/2010/main" xmlns:p15="http://schemas.microsoft.com/office/powerpoint/2012/main" xmlns:ahyp="http://schemas.microsoft.com/office/drawing/2018/hyperlinkcolor" showMasterPhAnim="0" showMasterSp="0">
   <p:cSld>
@@ -1125,7 +1225,7 @@
       </p:grpSpPr>
       <p:sp>
         <p:nvSpPr>
-          <p:cNvPr id="86" name="Google Shape;86;g16eaae7fb74_0_441:notes"/>
+          <p:cNvPr id="86" name="Google Shape;86;g17012f20109_0_0:notes"/>
           <p:cNvSpPr/>
           <p:nvPr>
             <p:ph idx="2" type="sldImg"/>
@@ -1160,7 +1260,7 @@
       </p:sp>
       <p:sp>
         <p:nvSpPr>
-          <p:cNvPr id="87" name="Google Shape;87;g16eaae7fb74_0_441:notes"/>
+          <p:cNvPr id="87" name="Google Shape;87;g17012f20109_0_0:notes"/>
           <p:cNvSpPr txBox="1"/>
           <p:nvPr>
             <p:ph idx="1" type="body"/>
@@ -1224,7 +1324,7 @@
       </p:grpSpPr>
       <p:sp>
         <p:nvSpPr>
-          <p:cNvPr id="92" name="Google Shape;92;g16f2ef75028_1_0:notes"/>
+          <p:cNvPr id="92" name="Google Shape;92;g16eaae7fb74_0_441:notes"/>
           <p:cNvSpPr/>
           <p:nvPr>
             <p:ph idx="2" type="sldImg"/>
@@ -1259,7 +1359,7 @@
       </p:sp>
       <p:sp>
         <p:nvSpPr>
-          <p:cNvPr id="93" name="Google Shape;93;g16f2ef75028_1_0:notes"/>
+          <p:cNvPr id="93" name="Google Shape;93;g16eaae7fb74_0_441:notes"/>
           <p:cNvSpPr txBox="1"/>
           <p:nvPr>
             <p:ph idx="1" type="body"/>
@@ -1323,7 +1423,7 @@
       </p:grpSpPr>
       <p:sp>
         <p:nvSpPr>
-          <p:cNvPr id="98" name="Google Shape;98;g16eaae7fb74_0_414:notes"/>
+          <p:cNvPr id="98" name="Google Shape;98;g16f2ef75028_1_0:notes"/>
           <p:cNvSpPr/>
           <p:nvPr>
             <p:ph idx="2" type="sldImg"/>
@@ -1358,7 +1458,7 @@
       </p:sp>
       <p:sp>
         <p:nvSpPr>
-          <p:cNvPr id="99" name="Google Shape;99;g16eaae7fb74_0_414:notes"/>
+          <p:cNvPr id="99" name="Google Shape;99;g16f2ef75028_1_0:notes"/>
           <p:cNvSpPr txBox="1"/>
           <p:nvPr>
             <p:ph idx="1" type="body"/>
@@ -1422,7 +1522,7 @@
       </p:grpSpPr>
       <p:sp>
         <p:nvSpPr>
-          <p:cNvPr id="104" name="Google Shape;104;g16eaae7fb74_0_418:notes"/>
+          <p:cNvPr id="104" name="Google Shape;104;g16eaae7fb74_0_414:notes"/>
           <p:cNvSpPr/>
           <p:nvPr>
             <p:ph idx="2" type="sldImg"/>
@@ -1457,7 +1557,7 @@
       </p:sp>
       <p:sp>
         <p:nvSpPr>
-          <p:cNvPr id="105" name="Google Shape;105;g16eaae7fb74_0_418:notes"/>
+          <p:cNvPr id="105" name="Google Shape;105;g16eaae7fb74_0_414:notes"/>
           <p:cNvSpPr txBox="1"/>
           <p:nvPr>
             <p:ph idx="1" type="body"/>
@@ -1507,7 +1607,7 @@
   <p:cSld>
     <p:spTree>
       <p:nvGrpSpPr>
-        <p:cNvPr id="111" name="Shape 111"/>
+        <p:cNvPr id="109" name="Shape 109"/>
         <p:cNvGrpSpPr/>
         <p:nvPr/>
       </p:nvGrpSpPr>
@@ -1521,7 +1621,7 @@
       </p:grpSpPr>
       <p:sp>
         <p:nvSpPr>
-          <p:cNvPr id="112" name="Google Shape;112;g16f2ef75028_5_1:notes"/>
+          <p:cNvPr id="110" name="Google Shape;110;g16eaae7fb74_0_418:notes"/>
           <p:cNvSpPr/>
           <p:nvPr>
             <p:ph idx="2" type="sldImg"/>
@@ -1556,7 +1656,7 @@
       </p:sp>
       <p:sp>
         <p:nvSpPr>
-          <p:cNvPr id="113" name="Google Shape;113;g16f2ef75028_5_1:notes"/>
+          <p:cNvPr id="111" name="Google Shape;111;g16eaae7fb74_0_418:notes"/>
           <p:cNvSpPr txBox="1"/>
           <p:nvPr>
             <p:ph idx="1" type="body"/>
@@ -7898,6 +7998,100 @@
 </p:sld>
 </file>
 
+<file path=ppt/slides/slide10.xml><?xml version="1.0" encoding="utf-8"?>
+<p:sld xmlns:a="http://schemas.openxmlformats.org/drawingml/2006/main" xmlns:r="http://schemas.openxmlformats.org/officeDocument/2006/relationships" xmlns:mc="http://schemas.openxmlformats.org/markup-compatibility/2006" xmlns:mv="urn:schemas-microsoft-com:mac:vml" xmlns:p="http://schemas.openxmlformats.org/presentationml/2006/main" xmlns:c="http://schemas.openxmlformats.org/drawingml/2006/chart" xmlns:dgm="http://schemas.openxmlformats.org/drawingml/2006/diagram" xmlns:o="urn:schemas-microsoft-com:office:office" xmlns:v="urn:schemas-microsoft-com:vml" xmlns:pvml="urn:schemas-microsoft-com:office:powerpoint" xmlns:com="http://schemas.openxmlformats.org/drawingml/2006/compatibility" xmlns:p14="http://schemas.microsoft.com/office/powerpoint/2010/main" xmlns:p15="http://schemas.microsoft.com/office/powerpoint/2012/main" xmlns:ahyp="http://schemas.microsoft.com/office/drawing/2018/hyperlinkcolor">
+  <p:cSld>
+    <p:spTree>
+      <p:nvGrpSpPr>
+        <p:cNvPr id="120" name="Shape 120"/>
+        <p:cNvGrpSpPr/>
+        <p:nvPr/>
+      </p:nvGrpSpPr>
+      <p:grpSpPr>
+        <a:xfrm>
+          <a:off x="0" y="0"/>
+          <a:ext cx="0" cy="0"/>
+          <a:chOff x="0" y="0"/>
+          <a:chExt cx="0" cy="0"/>
+        </a:xfrm>
+      </p:grpSpPr>
+      <p:sp>
+        <p:nvSpPr>
+          <p:cNvPr id="121" name="Google Shape;121;p22"/>
+          <p:cNvSpPr txBox="1"/>
+          <p:nvPr>
+            <p:ph type="title"/>
+          </p:nvPr>
+        </p:nvSpPr>
+        <p:spPr>
+          <a:xfrm>
+            <a:off x="215225" y="417275"/>
+            <a:ext cx="4791900" cy="1079100"/>
+          </a:xfrm>
+          <a:prstGeom prst="rect">
+            <a:avLst/>
+          </a:prstGeom>
+        </p:spPr>
+        <p:txBody>
+          <a:bodyPr anchorCtr="0" anchor="b" bIns="91425" lIns="91425" spcFirstLastPara="1" rIns="91425" wrap="square" tIns="91425">
+            <a:noAutofit/>
+          </a:bodyPr>
+          <a:lstStyle/>
+          <a:p>
+            <a:pPr indent="0" lvl="0" marL="0" rtl="0" algn="l">
+              <a:spcBef>
+                <a:spcPts val="0"/>
+              </a:spcBef>
+              <a:spcAft>
+                <a:spcPts val="0"/>
+              </a:spcAft>
+              <a:buSzPts val="990"/>
+              <a:buNone/>
+            </a:pPr>
+            <a:r>
+              <a:rPr lang="en" sz="6300"/>
+              <a:t>Thank you</a:t>
+            </a:r>
+            <a:endParaRPr sz="6300"/>
+          </a:p>
+        </p:txBody>
+      </p:sp>
+      <p:pic>
+        <p:nvPicPr>
+          <p:cNvPr id="122" name="Google Shape;122;p22"/>
+          <p:cNvPicPr preferRelativeResize="0"/>
+          <p:nvPr/>
+        </p:nvPicPr>
+        <p:blipFill>
+          <a:blip r:embed="rId3">
+            <a:alphaModFix/>
+          </a:blip>
+          <a:stretch>
+            <a:fillRect/>
+          </a:stretch>
+        </p:blipFill>
+        <p:spPr>
+          <a:xfrm>
+            <a:off x="4830725" y="740875"/>
+            <a:ext cx="4174200" cy="4232325"/>
+          </a:xfrm>
+          <a:prstGeom prst="rect">
+            <a:avLst/>
+          </a:prstGeom>
+          <a:noFill/>
+          <a:ln>
+            <a:noFill/>
+          </a:ln>
+        </p:spPr>
+      </p:pic>
+    </p:spTree>
+  </p:cSld>
+  <p:clrMapOvr>
+    <a:masterClrMapping/>
+  </p:clrMapOvr>
+</p:sld>
+</file>
+
 <file path=ppt/slides/slide2.xml><?xml version="1.0" encoding="utf-8"?>
 <p:sld xmlns:a="http://schemas.openxmlformats.org/drawingml/2006/main" xmlns:r="http://schemas.openxmlformats.org/officeDocument/2006/relationships" xmlns:mc="http://schemas.openxmlformats.org/markup-compatibility/2006" xmlns:mv="urn:schemas-microsoft-com:mac:vml" xmlns:p="http://schemas.openxmlformats.org/presentationml/2006/main" xmlns:c="http://schemas.openxmlformats.org/drawingml/2006/chart" xmlns:dgm="http://schemas.openxmlformats.org/drawingml/2006/diagram" xmlns:o="urn:schemas-microsoft-com:office:office" xmlns:v="urn:schemas-microsoft-com:vml" xmlns:pvml="urn:schemas-microsoft-com:office:powerpoint" xmlns:com="http://schemas.openxmlformats.org/drawingml/2006/compatibility" xmlns:p14="http://schemas.microsoft.com/office/powerpoint/2010/main" xmlns:p15="http://schemas.microsoft.com/office/powerpoint/2012/main" xmlns:ahyp="http://schemas.microsoft.com/office/drawing/2018/hyperlinkcolor">
   <p:cSld>
@@ -8663,8 +8857,8 @@
         </p:nvSpPr>
         <p:spPr>
           <a:xfrm>
-            <a:off x="311700" y="236625"/>
-            <a:ext cx="8520600" cy="922800"/>
+            <a:off x="311725" y="500925"/>
+            <a:ext cx="8520600" cy="623700"/>
           </a:xfrm>
           <a:prstGeom prst="rect">
             <a:avLst/>
@@ -8686,23 +8880,31 @@
               <a:buNone/>
             </a:pPr>
             <a:r>
-              <a:rPr lang="en" sz="3500"/>
-              <a:t>SRS - Non Functional Requirements</a:t>
+              <a:rPr lang="en"/>
+              <a:t>Example of faculty details</a:t>
             </a:r>
-            <a:endParaRPr sz="3500"/>
+            <a:endParaRPr/>
           </a:p>
         </p:txBody>
       </p:sp>
-      <p:sp>
-        <p:nvSpPr>
+      <p:pic>
+        <p:nvPicPr>
           <p:cNvPr id="90" name="Google Shape;90;p17"/>
-          <p:cNvSpPr txBox="1"/>
+          <p:cNvPicPr preferRelativeResize="0"/>
           <p:nvPr/>
-        </p:nvSpPr>
+        </p:nvPicPr>
+        <p:blipFill>
+          <a:blip r:embed="rId3">
+            <a:alphaModFix/>
+          </a:blip>
+          <a:stretch>
+            <a:fillRect/>
+          </a:stretch>
+        </p:blipFill>
         <p:spPr>
           <a:xfrm>
-            <a:off x="417000" y="1285875"/>
-            <a:ext cx="8415300" cy="3879000"/>
+            <a:off x="2640902" y="1597925"/>
+            <a:ext cx="3669475" cy="3231149"/>
           </a:xfrm>
           <a:prstGeom prst="rect">
             <a:avLst/>
@@ -8712,315 +8914,7 @@
             <a:noFill/>
           </a:ln>
         </p:spPr>
-        <p:txBody>
-          <a:bodyPr anchorCtr="0" anchor="t" bIns="91425" lIns="91425" spcFirstLastPara="1" rIns="91425" wrap="square" tIns="91425">
-            <a:spAutoFit/>
-          </a:bodyPr>
-          <a:lstStyle/>
-          <a:p>
-            <a:pPr indent="-355600" lvl="0" marL="457200" rtl="0" algn="l">
-              <a:spcBef>
-                <a:spcPts val="0"/>
-              </a:spcBef>
-              <a:spcAft>
-                <a:spcPts val="0"/>
-              </a:spcAft>
-              <a:buSzPts val="2000"/>
-              <a:buFont typeface="Roboto"/>
-              <a:buChar char="●"/>
-            </a:pPr>
-            <a:r>
-              <a:rPr lang="en" sz="2000">
-                <a:latin typeface="Roboto"/>
-                <a:ea typeface="Roboto"/>
-                <a:cs typeface="Roboto"/>
-                <a:sym typeface="Roboto"/>
-              </a:rPr>
-              <a:t>Portability</a:t>
-            </a:r>
-            <a:endParaRPr sz="2000">
-              <a:latin typeface="Roboto"/>
-              <a:ea typeface="Roboto"/>
-              <a:cs typeface="Roboto"/>
-              <a:sym typeface="Roboto"/>
-            </a:endParaRPr>
-          </a:p>
-          <a:p>
-            <a:pPr indent="0" lvl="0" marL="914400" rtl="0" algn="l">
-              <a:spcBef>
-                <a:spcPts val="0"/>
-              </a:spcBef>
-              <a:spcAft>
-                <a:spcPts val="0"/>
-              </a:spcAft>
-              <a:buNone/>
-            </a:pPr>
-            <a:r>
-              <a:rPr lang="en" sz="2000">
-                <a:latin typeface="Roboto"/>
-                <a:ea typeface="Roboto"/>
-                <a:cs typeface="Roboto"/>
-                <a:sym typeface="Roboto"/>
-              </a:rPr>
-              <a:t>Available as mobile application</a:t>
-            </a:r>
-            <a:endParaRPr sz="2000">
-              <a:latin typeface="Roboto"/>
-              <a:ea typeface="Roboto"/>
-              <a:cs typeface="Roboto"/>
-              <a:sym typeface="Roboto"/>
-            </a:endParaRPr>
-          </a:p>
-          <a:p>
-            <a:pPr indent="0" lvl="0" marL="457200" rtl="0" algn="l">
-              <a:spcBef>
-                <a:spcPts val="0"/>
-              </a:spcBef>
-              <a:spcAft>
-                <a:spcPts val="0"/>
-              </a:spcAft>
-              <a:buNone/>
-            </a:pPr>
-            <a:r>
-              <a:t/>
-            </a:r>
-            <a:endParaRPr sz="2000">
-              <a:latin typeface="Roboto"/>
-              <a:ea typeface="Roboto"/>
-              <a:cs typeface="Roboto"/>
-              <a:sym typeface="Roboto"/>
-            </a:endParaRPr>
-          </a:p>
-          <a:p>
-            <a:pPr indent="-355600" lvl="0" marL="457200" rtl="0" algn="l">
-              <a:spcBef>
-                <a:spcPts val="0"/>
-              </a:spcBef>
-              <a:spcAft>
-                <a:spcPts val="0"/>
-              </a:spcAft>
-              <a:buSzPts val="2000"/>
-              <a:buFont typeface="Roboto"/>
-              <a:buChar char="●"/>
-            </a:pPr>
-            <a:r>
-              <a:rPr lang="en" sz="2000">
-                <a:latin typeface="Roboto"/>
-                <a:ea typeface="Roboto"/>
-                <a:cs typeface="Roboto"/>
-                <a:sym typeface="Roboto"/>
-              </a:rPr>
-              <a:t>Security</a:t>
-            </a:r>
-            <a:endParaRPr sz="2000">
-              <a:latin typeface="Roboto"/>
-              <a:ea typeface="Roboto"/>
-              <a:cs typeface="Roboto"/>
-              <a:sym typeface="Roboto"/>
-            </a:endParaRPr>
-          </a:p>
-          <a:p>
-            <a:pPr indent="0" lvl="0" marL="914400" rtl="0" algn="l">
-              <a:spcBef>
-                <a:spcPts val="0"/>
-              </a:spcBef>
-              <a:spcAft>
-                <a:spcPts val="0"/>
-              </a:spcAft>
-              <a:buNone/>
-            </a:pPr>
-            <a:r>
-              <a:rPr lang="en" sz="2000">
-                <a:latin typeface="Roboto"/>
-                <a:ea typeface="Roboto"/>
-                <a:cs typeface="Roboto"/>
-                <a:sym typeface="Roboto"/>
-              </a:rPr>
-              <a:t>Secure storage of user credentials like LMS password</a:t>
-            </a:r>
-            <a:endParaRPr sz="2000">
-              <a:latin typeface="Roboto"/>
-              <a:ea typeface="Roboto"/>
-              <a:cs typeface="Roboto"/>
-              <a:sym typeface="Roboto"/>
-            </a:endParaRPr>
-          </a:p>
-          <a:p>
-            <a:pPr indent="0" lvl="0" marL="914400" rtl="0" algn="l">
-              <a:spcBef>
-                <a:spcPts val="0"/>
-              </a:spcBef>
-              <a:spcAft>
-                <a:spcPts val="0"/>
-              </a:spcAft>
-              <a:buNone/>
-            </a:pPr>
-            <a:r>
-              <a:rPr lang="en" sz="2000">
-                <a:latin typeface="Roboto"/>
-                <a:ea typeface="Roboto"/>
-                <a:cs typeface="Roboto"/>
-                <a:sym typeface="Roboto"/>
-              </a:rPr>
-              <a:t>Only admins can update data</a:t>
-            </a:r>
-            <a:endParaRPr sz="2000">
-              <a:latin typeface="Roboto"/>
-              <a:ea typeface="Roboto"/>
-              <a:cs typeface="Roboto"/>
-              <a:sym typeface="Roboto"/>
-            </a:endParaRPr>
-          </a:p>
-          <a:p>
-            <a:pPr indent="0" lvl="0" marL="457200" rtl="0" algn="l">
-              <a:spcBef>
-                <a:spcPts val="0"/>
-              </a:spcBef>
-              <a:spcAft>
-                <a:spcPts val="0"/>
-              </a:spcAft>
-              <a:buNone/>
-            </a:pPr>
-            <a:r>
-              <a:t/>
-            </a:r>
-            <a:endParaRPr sz="2000">
-              <a:latin typeface="Roboto"/>
-              <a:ea typeface="Roboto"/>
-              <a:cs typeface="Roboto"/>
-              <a:sym typeface="Roboto"/>
-            </a:endParaRPr>
-          </a:p>
-          <a:p>
-            <a:pPr indent="-355600" lvl="0" marL="457200" rtl="0" algn="l">
-              <a:spcBef>
-                <a:spcPts val="0"/>
-              </a:spcBef>
-              <a:spcAft>
-                <a:spcPts val="0"/>
-              </a:spcAft>
-              <a:buSzPts val="2000"/>
-              <a:buFont typeface="Roboto"/>
-              <a:buChar char="●"/>
-            </a:pPr>
-            <a:r>
-              <a:rPr lang="en" sz="2000">
-                <a:latin typeface="Roboto"/>
-                <a:ea typeface="Roboto"/>
-                <a:cs typeface="Roboto"/>
-                <a:sym typeface="Roboto"/>
-              </a:rPr>
-              <a:t>Maintainability </a:t>
-            </a:r>
-            <a:endParaRPr sz="2000">
-              <a:latin typeface="Roboto"/>
-              <a:ea typeface="Roboto"/>
-              <a:cs typeface="Roboto"/>
-              <a:sym typeface="Roboto"/>
-            </a:endParaRPr>
-          </a:p>
-          <a:p>
-            <a:pPr indent="0" lvl="0" marL="914400" rtl="0" algn="l">
-              <a:spcBef>
-                <a:spcPts val="0"/>
-              </a:spcBef>
-              <a:spcAft>
-                <a:spcPts val="0"/>
-              </a:spcAft>
-              <a:buNone/>
-            </a:pPr>
-            <a:r>
-              <a:rPr lang="en" sz="2000">
-                <a:latin typeface="Roboto"/>
-                <a:ea typeface="Roboto"/>
-                <a:cs typeface="Roboto"/>
-                <a:sym typeface="Roboto"/>
-              </a:rPr>
-              <a:t>Regular updates, bug fixes, version control </a:t>
-            </a:r>
-            <a:endParaRPr sz="2000">
-              <a:latin typeface="Roboto"/>
-              <a:ea typeface="Roboto"/>
-              <a:cs typeface="Roboto"/>
-              <a:sym typeface="Roboto"/>
-            </a:endParaRPr>
-          </a:p>
-          <a:p>
-            <a:pPr indent="0" lvl="0" marL="457200" rtl="0" algn="l">
-              <a:spcBef>
-                <a:spcPts val="0"/>
-              </a:spcBef>
-              <a:spcAft>
-                <a:spcPts val="0"/>
-              </a:spcAft>
-              <a:buNone/>
-            </a:pPr>
-            <a:r>
-              <a:t/>
-            </a:r>
-            <a:endParaRPr sz="2000">
-              <a:latin typeface="Roboto"/>
-              <a:ea typeface="Roboto"/>
-              <a:cs typeface="Roboto"/>
-              <a:sym typeface="Roboto"/>
-            </a:endParaRPr>
-          </a:p>
-          <a:p>
-            <a:pPr indent="-355600" lvl="0" marL="457200" rtl="0" algn="l">
-              <a:spcBef>
-                <a:spcPts val="0"/>
-              </a:spcBef>
-              <a:spcAft>
-                <a:spcPts val="0"/>
-              </a:spcAft>
-              <a:buSzPts val="2000"/>
-              <a:buFont typeface="Roboto"/>
-              <a:buChar char="●"/>
-            </a:pPr>
-            <a:r>
-              <a:rPr lang="en" sz="2000">
-                <a:latin typeface="Roboto"/>
-                <a:ea typeface="Roboto"/>
-                <a:cs typeface="Roboto"/>
-                <a:sym typeface="Roboto"/>
-              </a:rPr>
-              <a:t>Usability</a:t>
-            </a:r>
-            <a:endParaRPr sz="2000">
-              <a:latin typeface="Roboto"/>
-              <a:ea typeface="Roboto"/>
-              <a:cs typeface="Roboto"/>
-              <a:sym typeface="Roboto"/>
-            </a:endParaRPr>
-          </a:p>
-          <a:p>
-            <a:pPr indent="0" lvl="0" marL="914400" rtl="0" algn="l">
-              <a:spcBef>
-                <a:spcPts val="0"/>
-              </a:spcBef>
-              <a:spcAft>
-                <a:spcPts val="0"/>
-              </a:spcAft>
-              <a:buNone/>
-            </a:pPr>
-            <a:r>
-              <a:rPr lang="en" sz="2000">
-                <a:latin typeface="Roboto"/>
-                <a:ea typeface="Roboto"/>
-                <a:cs typeface="Roboto"/>
-                <a:sym typeface="Roboto"/>
-              </a:rPr>
-              <a:t>Interface has to be user-friendly and easy to use.</a:t>
-            </a:r>
-            <a:endParaRPr sz="2000">
-              <a:latin typeface="Roboto"/>
-              <a:ea typeface="Roboto"/>
-              <a:cs typeface="Roboto"/>
-              <a:sym typeface="Roboto"/>
-            </a:endParaRPr>
-          </a:p>
-        </p:txBody>
-      </p:sp>
+      </p:pic>
     </p:spTree>
   </p:cSld>
   <p:clrMapOvr>
@@ -9056,8 +8950,8 @@
         </p:nvSpPr>
         <p:spPr>
           <a:xfrm>
-            <a:off x="311725" y="500925"/>
-            <a:ext cx="8520600" cy="623700"/>
+            <a:off x="311700" y="236625"/>
+            <a:ext cx="8520600" cy="922800"/>
           </a:xfrm>
           <a:prstGeom prst="rect">
             <a:avLst/>
@@ -9079,10 +8973,10 @@
               <a:buNone/>
             </a:pPr>
             <a:r>
-              <a:rPr lang="en"/>
-              <a:t>Constraints</a:t>
+              <a:rPr lang="en" sz="3500"/>
+              <a:t>SRS - Non Functional Requirements</a:t>
             </a:r>
-            <a:endParaRPr/>
+            <a:endParaRPr sz="3500"/>
           </a:p>
         </p:txBody>
       </p:sp>
@@ -9094,8 +8988,8 @@
         </p:nvSpPr>
         <p:spPr>
           <a:xfrm>
-            <a:off x="385600" y="1477975"/>
-            <a:ext cx="8193900" cy="2955300"/>
+            <a:off x="417000" y="1285875"/>
+            <a:ext cx="8415300" cy="3879000"/>
           </a:xfrm>
           <a:prstGeom prst="rect">
             <a:avLst/>
@@ -9111,30 +9005,27 @@
           </a:bodyPr>
           <a:lstStyle/>
           <a:p>
-            <a:pPr indent="-342900" lvl="0" marL="457200" rtl="0" algn="l">
-              <a:lnSpc>
-                <a:spcPct val="150000"/>
-              </a:lnSpc>
-              <a:spcBef>
-                <a:spcPts val="0"/>
-              </a:spcBef>
-              <a:spcAft>
-                <a:spcPts val="0"/>
-              </a:spcAft>
-              <a:buSzPts val="1800"/>
+            <a:pPr indent="-355600" lvl="0" marL="457200" rtl="0" algn="l">
+              <a:spcBef>
+                <a:spcPts val="0"/>
+              </a:spcBef>
+              <a:spcAft>
+                <a:spcPts val="0"/>
+              </a:spcAft>
+              <a:buSzPts val="2000"/>
               <a:buFont typeface="Roboto"/>
               <a:buChar char="●"/>
             </a:pPr>
             <a:r>
-              <a:rPr lang="en" sz="1800">
+              <a:rPr lang="en" sz="2000">
                 <a:latin typeface="Roboto"/>
                 <a:ea typeface="Roboto"/>
                 <a:cs typeface="Roboto"/>
                 <a:sym typeface="Roboto"/>
               </a:rPr>
-              <a:t>Currently the app is made only for Android and not for iOS.</a:t>
+              <a:t>Portability</a:t>
             </a:r>
-            <a:endParaRPr sz="1800">
+            <a:endParaRPr sz="2000">
               <a:latin typeface="Roboto"/>
               <a:ea typeface="Roboto"/>
               <a:cs typeface="Roboto"/>
@@ -9142,30 +9033,25 @@
             </a:endParaRPr>
           </a:p>
           <a:p>
-            <a:pPr indent="-342900" lvl="0" marL="457200" rtl="0" algn="l">
-              <a:lnSpc>
-                <a:spcPct val="150000"/>
-              </a:lnSpc>
-              <a:spcBef>
-                <a:spcPts val="0"/>
-              </a:spcBef>
-              <a:spcAft>
-                <a:spcPts val="0"/>
-              </a:spcAft>
-              <a:buSzPts val="1800"/>
-              <a:buFont typeface="Roboto"/>
-              <a:buChar char="●"/>
+            <a:pPr indent="0" lvl="0" marL="914400" rtl="0" algn="l">
+              <a:spcBef>
+                <a:spcPts val="0"/>
+              </a:spcBef>
+              <a:spcAft>
+                <a:spcPts val="0"/>
+              </a:spcAft>
+              <a:buNone/>
             </a:pPr>
             <a:r>
-              <a:rPr lang="en" sz="1800">
+              <a:rPr lang="en" sz="2000">
                 <a:latin typeface="Roboto"/>
                 <a:ea typeface="Roboto"/>
                 <a:cs typeface="Roboto"/>
                 <a:sym typeface="Roboto"/>
               </a:rPr>
-              <a:t>Admins should have the changes beforehand and should be available to modify in the backend in a timely manner</a:t>
+              <a:t>Available as mobile application</a:t>
             </a:r>
-            <a:endParaRPr sz="1800">
+            <a:endParaRPr sz="2000">
               <a:latin typeface="Roboto"/>
               <a:ea typeface="Roboto"/>
               <a:cs typeface="Roboto"/>
@@ -9173,30 +9059,19 @@
             </a:endParaRPr>
           </a:p>
           <a:p>
-            <a:pPr indent="-342900" lvl="0" marL="457200" rtl="0" algn="l">
-              <a:lnSpc>
-                <a:spcPct val="150000"/>
-              </a:lnSpc>
-              <a:spcBef>
-                <a:spcPts val="0"/>
-              </a:spcBef>
-              <a:spcAft>
-                <a:spcPts val="0"/>
-              </a:spcAft>
-              <a:buSzPts val="1800"/>
-              <a:buFont typeface="Roboto"/>
-              <a:buChar char="●"/>
+            <a:pPr indent="0" lvl="0" marL="457200" rtl="0" algn="l">
+              <a:spcBef>
+                <a:spcPts val="0"/>
+              </a:spcBef>
+              <a:spcAft>
+                <a:spcPts val="0"/>
+              </a:spcAft>
+              <a:buNone/>
             </a:pPr>
             <a:r>
-              <a:rPr lang="en" sz="1800">
-                <a:latin typeface="Roboto"/>
-                <a:ea typeface="Roboto"/>
-                <a:cs typeface="Roboto"/>
-                <a:sym typeface="Roboto"/>
-              </a:rPr>
-              <a:t>Should not exceed the free tier of Firebase, 1GB of data egress, Cloud Storage of 5GB only</a:t>
+              <a:t/>
             </a:r>
-            <a:endParaRPr sz="1800">
+            <a:endParaRPr sz="2000">
               <a:latin typeface="Roboto"/>
               <a:ea typeface="Roboto"/>
               <a:cs typeface="Roboto"/>
@@ -9204,30 +9079,227 @@
             </a:endParaRPr>
           </a:p>
           <a:p>
-            <a:pPr indent="-342900" lvl="0" marL="457200" rtl="0" algn="l">
-              <a:lnSpc>
-                <a:spcPct val="150000"/>
-              </a:lnSpc>
-              <a:spcBef>
-                <a:spcPts val="0"/>
-              </a:spcBef>
-              <a:spcAft>
-                <a:spcPts val="0"/>
-              </a:spcAft>
-              <a:buSzPts val="1800"/>
+            <a:pPr indent="-355600" lvl="0" marL="457200" rtl="0" algn="l">
+              <a:spcBef>
+                <a:spcPts val="0"/>
+              </a:spcBef>
+              <a:spcAft>
+                <a:spcPts val="0"/>
+              </a:spcAft>
+              <a:buSzPts val="2000"/>
               <a:buFont typeface="Roboto"/>
               <a:buChar char="●"/>
             </a:pPr>
             <a:r>
-              <a:rPr lang="en" sz="1800">
+              <a:rPr lang="en" sz="2000">
                 <a:latin typeface="Roboto"/>
                 <a:ea typeface="Roboto"/>
                 <a:cs typeface="Roboto"/>
                 <a:sym typeface="Roboto"/>
               </a:rPr>
-              <a:t>Since developers are students, maintenance and updates during exam weeks may get delayed</a:t>
+              <a:t>Security</a:t>
             </a:r>
-            <a:endParaRPr sz="1800">
+            <a:endParaRPr sz="2000">
+              <a:latin typeface="Roboto"/>
+              <a:ea typeface="Roboto"/>
+              <a:cs typeface="Roboto"/>
+              <a:sym typeface="Roboto"/>
+            </a:endParaRPr>
+          </a:p>
+          <a:p>
+            <a:pPr indent="0" lvl="0" marL="914400" rtl="0" algn="l">
+              <a:spcBef>
+                <a:spcPts val="0"/>
+              </a:spcBef>
+              <a:spcAft>
+                <a:spcPts val="0"/>
+              </a:spcAft>
+              <a:buNone/>
+            </a:pPr>
+            <a:r>
+              <a:rPr lang="en" sz="2000">
+                <a:latin typeface="Roboto"/>
+                <a:ea typeface="Roboto"/>
+                <a:cs typeface="Roboto"/>
+                <a:sym typeface="Roboto"/>
+              </a:rPr>
+              <a:t>Secure storage of user credentials like LMS password</a:t>
+            </a:r>
+            <a:endParaRPr sz="2000">
+              <a:latin typeface="Roboto"/>
+              <a:ea typeface="Roboto"/>
+              <a:cs typeface="Roboto"/>
+              <a:sym typeface="Roboto"/>
+            </a:endParaRPr>
+          </a:p>
+          <a:p>
+            <a:pPr indent="0" lvl="0" marL="914400" rtl="0" algn="l">
+              <a:spcBef>
+                <a:spcPts val="0"/>
+              </a:spcBef>
+              <a:spcAft>
+                <a:spcPts val="0"/>
+              </a:spcAft>
+              <a:buNone/>
+            </a:pPr>
+            <a:r>
+              <a:rPr lang="en" sz="2000">
+                <a:latin typeface="Roboto"/>
+                <a:ea typeface="Roboto"/>
+                <a:cs typeface="Roboto"/>
+                <a:sym typeface="Roboto"/>
+              </a:rPr>
+              <a:t>Only admins can update data</a:t>
+            </a:r>
+            <a:endParaRPr sz="2000">
+              <a:latin typeface="Roboto"/>
+              <a:ea typeface="Roboto"/>
+              <a:cs typeface="Roboto"/>
+              <a:sym typeface="Roboto"/>
+            </a:endParaRPr>
+          </a:p>
+          <a:p>
+            <a:pPr indent="0" lvl="0" marL="457200" rtl="0" algn="l">
+              <a:spcBef>
+                <a:spcPts val="0"/>
+              </a:spcBef>
+              <a:spcAft>
+                <a:spcPts val="0"/>
+              </a:spcAft>
+              <a:buNone/>
+            </a:pPr>
+            <a:r>
+              <a:t/>
+            </a:r>
+            <a:endParaRPr sz="2000">
+              <a:latin typeface="Roboto"/>
+              <a:ea typeface="Roboto"/>
+              <a:cs typeface="Roboto"/>
+              <a:sym typeface="Roboto"/>
+            </a:endParaRPr>
+          </a:p>
+          <a:p>
+            <a:pPr indent="-355600" lvl="0" marL="457200" rtl="0" algn="l">
+              <a:spcBef>
+                <a:spcPts val="0"/>
+              </a:spcBef>
+              <a:spcAft>
+                <a:spcPts val="0"/>
+              </a:spcAft>
+              <a:buSzPts val="2000"/>
+              <a:buFont typeface="Roboto"/>
+              <a:buChar char="●"/>
+            </a:pPr>
+            <a:r>
+              <a:rPr lang="en" sz="2000">
+                <a:latin typeface="Roboto"/>
+                <a:ea typeface="Roboto"/>
+                <a:cs typeface="Roboto"/>
+                <a:sym typeface="Roboto"/>
+              </a:rPr>
+              <a:t>Maintainability </a:t>
+            </a:r>
+            <a:endParaRPr sz="2000">
+              <a:latin typeface="Roboto"/>
+              <a:ea typeface="Roboto"/>
+              <a:cs typeface="Roboto"/>
+              <a:sym typeface="Roboto"/>
+            </a:endParaRPr>
+          </a:p>
+          <a:p>
+            <a:pPr indent="0" lvl="0" marL="914400" rtl="0" algn="l">
+              <a:spcBef>
+                <a:spcPts val="0"/>
+              </a:spcBef>
+              <a:spcAft>
+                <a:spcPts val="0"/>
+              </a:spcAft>
+              <a:buNone/>
+            </a:pPr>
+            <a:r>
+              <a:rPr lang="en" sz="2000">
+                <a:latin typeface="Roboto"/>
+                <a:ea typeface="Roboto"/>
+                <a:cs typeface="Roboto"/>
+                <a:sym typeface="Roboto"/>
+              </a:rPr>
+              <a:t>Regular updates, bug fixes, version control </a:t>
+            </a:r>
+            <a:endParaRPr sz="2000">
+              <a:latin typeface="Roboto"/>
+              <a:ea typeface="Roboto"/>
+              <a:cs typeface="Roboto"/>
+              <a:sym typeface="Roboto"/>
+            </a:endParaRPr>
+          </a:p>
+          <a:p>
+            <a:pPr indent="0" lvl="0" marL="457200" rtl="0" algn="l">
+              <a:spcBef>
+                <a:spcPts val="0"/>
+              </a:spcBef>
+              <a:spcAft>
+                <a:spcPts val="0"/>
+              </a:spcAft>
+              <a:buNone/>
+            </a:pPr>
+            <a:r>
+              <a:t/>
+            </a:r>
+            <a:endParaRPr sz="2000">
+              <a:latin typeface="Roboto"/>
+              <a:ea typeface="Roboto"/>
+              <a:cs typeface="Roboto"/>
+              <a:sym typeface="Roboto"/>
+            </a:endParaRPr>
+          </a:p>
+          <a:p>
+            <a:pPr indent="-355600" lvl="0" marL="457200" rtl="0" algn="l">
+              <a:spcBef>
+                <a:spcPts val="0"/>
+              </a:spcBef>
+              <a:spcAft>
+                <a:spcPts val="0"/>
+              </a:spcAft>
+              <a:buSzPts val="2000"/>
+              <a:buFont typeface="Roboto"/>
+              <a:buChar char="●"/>
+            </a:pPr>
+            <a:r>
+              <a:rPr lang="en" sz="2000">
+                <a:latin typeface="Roboto"/>
+                <a:ea typeface="Roboto"/>
+                <a:cs typeface="Roboto"/>
+                <a:sym typeface="Roboto"/>
+              </a:rPr>
+              <a:t>Usability</a:t>
+            </a:r>
+            <a:endParaRPr sz="2000">
+              <a:latin typeface="Roboto"/>
+              <a:ea typeface="Roboto"/>
+              <a:cs typeface="Roboto"/>
+              <a:sym typeface="Roboto"/>
+            </a:endParaRPr>
+          </a:p>
+          <a:p>
+            <a:pPr indent="0" lvl="0" marL="914400" rtl="0" algn="l">
+              <a:spcBef>
+                <a:spcPts val="0"/>
+              </a:spcBef>
+              <a:spcAft>
+                <a:spcPts val="0"/>
+              </a:spcAft>
+              <a:buNone/>
+            </a:pPr>
+            <a:r>
+              <a:rPr lang="en" sz="2000">
+                <a:latin typeface="Roboto"/>
+                <a:ea typeface="Roboto"/>
+                <a:cs typeface="Roboto"/>
+                <a:sym typeface="Roboto"/>
+              </a:rPr>
+              <a:t>Interface has to be user-friendly and easy to use.</a:t>
+            </a:r>
+            <a:endParaRPr sz="2000">
               <a:latin typeface="Roboto"/>
               <a:ea typeface="Roboto"/>
               <a:cs typeface="Roboto"/>
@@ -9261,34 +9333,46 @@
           <a:chExt cx="0" cy="0"/>
         </a:xfrm>
       </p:grpSpPr>
-      <p:pic>
-        <p:nvPicPr>
+      <p:sp>
+        <p:nvSpPr>
           <p:cNvPr id="101" name="Google Shape;101;p19"/>
-          <p:cNvPicPr preferRelativeResize="0"/>
-          <p:nvPr/>
-        </p:nvPicPr>
-        <p:blipFill>
-          <a:blip r:embed="rId3">
-            <a:alphaModFix/>
-          </a:blip>
-          <a:stretch>
-            <a:fillRect/>
-          </a:stretch>
-        </p:blipFill>
+          <p:cNvSpPr txBox="1"/>
+          <p:nvPr>
+            <p:ph type="title"/>
+          </p:nvPr>
+        </p:nvSpPr>
         <p:spPr>
           <a:xfrm>
-            <a:off x="1403950" y="152400"/>
-            <a:ext cx="6336097" cy="4838699"/>
+            <a:off x="311725" y="500925"/>
+            <a:ext cx="8520600" cy="623700"/>
           </a:xfrm>
           <a:prstGeom prst="rect">
             <a:avLst/>
           </a:prstGeom>
-          <a:noFill/>
-          <a:ln>
-            <a:noFill/>
-          </a:ln>
         </p:spPr>
-      </p:pic>
+        <p:txBody>
+          <a:bodyPr anchorCtr="0" anchor="t" bIns="91425" lIns="91425" spcFirstLastPara="1" rIns="91425" wrap="square" tIns="91425">
+            <a:normAutofit/>
+          </a:bodyPr>
+          <a:lstStyle/>
+          <a:p>
+            <a:pPr indent="0" lvl="0" marL="0" rtl="0" algn="l">
+              <a:spcBef>
+                <a:spcPts val="0"/>
+              </a:spcBef>
+              <a:spcAft>
+                <a:spcPts val="0"/>
+              </a:spcAft>
+              <a:buNone/>
+            </a:pPr>
+            <a:r>
+              <a:rPr lang="en"/>
+              <a:t>Constraints</a:t>
+            </a:r>
+            <a:endParaRPr/>
+          </a:p>
+        </p:txBody>
+      </p:sp>
       <p:sp>
         <p:nvSpPr>
           <p:cNvPr id="102" name="Google Shape;102;p19"/>
@@ -9297,8 +9381,8 @@
         </p:nvSpPr>
         <p:spPr>
           <a:xfrm>
-            <a:off x="4629175" y="578675"/>
-            <a:ext cx="2636100" cy="769500"/>
+            <a:off x="385600" y="1477975"/>
+            <a:ext cx="8193900" cy="2955300"/>
           </a:xfrm>
           <a:prstGeom prst="rect">
             <a:avLst/>
@@ -9314,25 +9398,30 @@
           </a:bodyPr>
           <a:lstStyle/>
           <a:p>
-            <a:pPr indent="0" lvl="0" marL="0" rtl="0" algn="ctr">
-              <a:spcBef>
-                <a:spcPts val="0"/>
-              </a:spcBef>
-              <a:spcAft>
-                <a:spcPts val="0"/>
-              </a:spcAft>
-              <a:buNone/>
+            <a:pPr indent="-342900" lvl="0" marL="457200" rtl="0" algn="l">
+              <a:lnSpc>
+                <a:spcPct val="150000"/>
+              </a:lnSpc>
+              <a:spcBef>
+                <a:spcPts val="0"/>
+              </a:spcBef>
+              <a:spcAft>
+                <a:spcPts val="0"/>
+              </a:spcAft>
+              <a:buSzPts val="1800"/>
+              <a:buFont typeface="Roboto"/>
+              <a:buChar char="●"/>
             </a:pPr>
             <a:r>
-              <a:rPr b="1" lang="en" sz="1900">
+              <a:rPr lang="en" sz="1800">
                 <a:latin typeface="Roboto"/>
                 <a:ea typeface="Roboto"/>
                 <a:cs typeface="Roboto"/>
                 <a:sym typeface="Roboto"/>
               </a:rPr>
-              <a:t>Level 0 DFD</a:t>
+              <a:t>Currently the app is made only for Android and not for iOS.</a:t>
             </a:r>
-            <a:endParaRPr b="1" sz="1900">
+            <a:endParaRPr sz="1800">
               <a:latin typeface="Roboto"/>
               <a:ea typeface="Roboto"/>
               <a:cs typeface="Roboto"/>
@@ -9340,25 +9429,92 @@
             </a:endParaRPr>
           </a:p>
           <a:p>
-            <a:pPr indent="0" lvl="0" marL="0" rtl="0" algn="ctr">
-              <a:spcBef>
-                <a:spcPts val="0"/>
-              </a:spcBef>
-              <a:spcAft>
-                <a:spcPts val="0"/>
-              </a:spcAft>
-              <a:buNone/>
+            <a:pPr indent="-342900" lvl="0" marL="457200" rtl="0" algn="l">
+              <a:lnSpc>
+                <a:spcPct val="150000"/>
+              </a:lnSpc>
+              <a:spcBef>
+                <a:spcPts val="0"/>
+              </a:spcBef>
+              <a:spcAft>
+                <a:spcPts val="0"/>
+              </a:spcAft>
+              <a:buSzPts val="1800"/>
+              <a:buFont typeface="Roboto"/>
+              <a:buChar char="●"/>
             </a:pPr>
             <a:r>
-              <a:rPr b="1" lang="en" sz="1900">
+              <a:rPr lang="en" sz="1800">
                 <a:latin typeface="Roboto"/>
                 <a:ea typeface="Roboto"/>
                 <a:cs typeface="Roboto"/>
                 <a:sym typeface="Roboto"/>
               </a:rPr>
-              <a:t>(Context Diagram)</a:t>
+              <a:t>Admins should have the changes beforehand and should be available to modify in the backend in a timely manner</a:t>
             </a:r>
-            <a:endParaRPr b="1" sz="1900">
+            <a:endParaRPr sz="1800">
+              <a:latin typeface="Roboto"/>
+              <a:ea typeface="Roboto"/>
+              <a:cs typeface="Roboto"/>
+              <a:sym typeface="Roboto"/>
+            </a:endParaRPr>
+          </a:p>
+          <a:p>
+            <a:pPr indent="-342900" lvl="0" marL="457200" rtl="0" algn="l">
+              <a:lnSpc>
+                <a:spcPct val="150000"/>
+              </a:lnSpc>
+              <a:spcBef>
+                <a:spcPts val="0"/>
+              </a:spcBef>
+              <a:spcAft>
+                <a:spcPts val="0"/>
+              </a:spcAft>
+              <a:buSzPts val="1800"/>
+              <a:buFont typeface="Roboto"/>
+              <a:buChar char="●"/>
+            </a:pPr>
+            <a:r>
+              <a:rPr lang="en" sz="1800">
+                <a:latin typeface="Roboto"/>
+                <a:ea typeface="Roboto"/>
+                <a:cs typeface="Roboto"/>
+                <a:sym typeface="Roboto"/>
+              </a:rPr>
+              <a:t>Should not exceed the free tier of Firebase, 1GB of data egress, Cloud Storage of 5GB only</a:t>
+            </a:r>
+            <a:endParaRPr sz="1800">
+              <a:latin typeface="Roboto"/>
+              <a:ea typeface="Roboto"/>
+              <a:cs typeface="Roboto"/>
+              <a:sym typeface="Roboto"/>
+            </a:endParaRPr>
+          </a:p>
+          <a:p>
+            <a:pPr indent="-342900" lvl="0" marL="457200" rtl="0" algn="l">
+              <a:lnSpc>
+                <a:spcPct val="150000"/>
+              </a:lnSpc>
+              <a:spcBef>
+                <a:spcPts val="0"/>
+              </a:spcBef>
+              <a:spcAft>
+                <a:spcPts val="0"/>
+              </a:spcAft>
+              <a:buSzPts val="1800"/>
+              <a:buFont typeface="Roboto"/>
+              <a:buChar char="●"/>
+            </a:pPr>
+            <a:r>
+              <a:rPr lang="en" sz="1800">
+                <a:latin typeface="Roboto"/>
+                <a:ea typeface="Roboto"/>
+                <a:cs typeface="Roboto"/>
+                <a:sym typeface="Roboto"/>
+              </a:rPr>
+              <a:t>Since developers are students, maintenance and updates during exam weeks may get delayed</a:t>
+            </a:r>
+            <a:endParaRPr sz="1800">
               <a:latin typeface="Roboto"/>
               <a:ea typeface="Roboto"/>
               <a:cs typeface="Roboto"/>
@@ -9408,6 +9564,137 @@
         </p:blipFill>
         <p:spPr>
           <a:xfrm>
+            <a:off x="1403950" y="152400"/>
+            <a:ext cx="6336097" cy="4838699"/>
+          </a:xfrm>
+          <a:prstGeom prst="rect">
+            <a:avLst/>
+          </a:prstGeom>
+          <a:noFill/>
+          <a:ln>
+            <a:noFill/>
+          </a:ln>
+        </p:spPr>
+      </p:pic>
+      <p:sp>
+        <p:nvSpPr>
+          <p:cNvPr id="108" name="Google Shape;108;p20"/>
+          <p:cNvSpPr txBox="1"/>
+          <p:nvPr/>
+        </p:nvSpPr>
+        <p:spPr>
+          <a:xfrm>
+            <a:off x="4629175" y="578675"/>
+            <a:ext cx="2636100" cy="769500"/>
+          </a:xfrm>
+          <a:prstGeom prst="rect">
+            <a:avLst/>
+          </a:prstGeom>
+          <a:noFill/>
+          <a:ln>
+            <a:noFill/>
+          </a:ln>
+        </p:spPr>
+        <p:txBody>
+          <a:bodyPr anchorCtr="0" anchor="t" bIns="91425" lIns="91425" spcFirstLastPara="1" rIns="91425" wrap="square" tIns="91425">
+            <a:spAutoFit/>
+          </a:bodyPr>
+          <a:lstStyle/>
+          <a:p>
+            <a:pPr indent="0" lvl="0" marL="0" rtl="0" algn="ctr">
+              <a:spcBef>
+                <a:spcPts val="0"/>
+              </a:spcBef>
+              <a:spcAft>
+                <a:spcPts val="0"/>
+              </a:spcAft>
+              <a:buNone/>
+            </a:pPr>
+            <a:r>
+              <a:rPr b="1" lang="en" sz="1900">
+                <a:latin typeface="Roboto"/>
+                <a:ea typeface="Roboto"/>
+                <a:cs typeface="Roboto"/>
+                <a:sym typeface="Roboto"/>
+              </a:rPr>
+              <a:t>Level 0 DFD</a:t>
+            </a:r>
+            <a:endParaRPr b="1" sz="1900">
+              <a:latin typeface="Roboto"/>
+              <a:ea typeface="Roboto"/>
+              <a:cs typeface="Roboto"/>
+              <a:sym typeface="Roboto"/>
+            </a:endParaRPr>
+          </a:p>
+          <a:p>
+            <a:pPr indent="0" lvl="0" marL="0" rtl="0" algn="ctr">
+              <a:spcBef>
+                <a:spcPts val="0"/>
+              </a:spcBef>
+              <a:spcAft>
+                <a:spcPts val="0"/>
+              </a:spcAft>
+              <a:buNone/>
+            </a:pPr>
+            <a:r>
+              <a:rPr b="1" lang="en" sz="1900">
+                <a:latin typeface="Roboto"/>
+                <a:ea typeface="Roboto"/>
+                <a:cs typeface="Roboto"/>
+                <a:sym typeface="Roboto"/>
+              </a:rPr>
+              <a:t>(Context Diagram)</a:t>
+            </a:r>
+            <a:endParaRPr b="1" sz="1900">
+              <a:latin typeface="Roboto"/>
+              <a:ea typeface="Roboto"/>
+              <a:cs typeface="Roboto"/>
+              <a:sym typeface="Roboto"/>
+            </a:endParaRPr>
+          </a:p>
+        </p:txBody>
+      </p:sp>
+    </p:spTree>
+  </p:cSld>
+  <p:clrMapOvr>
+    <a:masterClrMapping/>
+  </p:clrMapOvr>
+</p:sld>
+</file>
+
+<file path=ppt/slides/slide9.xml><?xml version="1.0" encoding="utf-8"?>
+<p:sld xmlns:a="http://schemas.openxmlformats.org/drawingml/2006/main" xmlns:r="http://schemas.openxmlformats.org/officeDocument/2006/relationships" xmlns:mc="http://schemas.openxmlformats.org/markup-compatibility/2006" xmlns:mv="urn:schemas-microsoft-com:mac:vml" xmlns:p="http://schemas.openxmlformats.org/presentationml/2006/main" xmlns:c="http://schemas.openxmlformats.org/drawingml/2006/chart" xmlns:dgm="http://schemas.openxmlformats.org/drawingml/2006/diagram" xmlns:o="urn:schemas-microsoft-com:office:office" xmlns:v="urn:schemas-microsoft-com:vml" xmlns:pvml="urn:schemas-microsoft-com:office:powerpoint" xmlns:com="http://schemas.openxmlformats.org/drawingml/2006/compatibility" xmlns:p14="http://schemas.microsoft.com/office/powerpoint/2010/main" xmlns:p15="http://schemas.microsoft.com/office/powerpoint/2012/main" xmlns:ahyp="http://schemas.microsoft.com/office/drawing/2018/hyperlinkcolor">
+  <p:cSld>
+    <p:spTree>
+      <p:nvGrpSpPr>
+        <p:cNvPr id="112" name="Shape 112"/>
+        <p:cNvGrpSpPr/>
+        <p:nvPr/>
+      </p:nvGrpSpPr>
+      <p:grpSpPr>
+        <a:xfrm>
+          <a:off x="0" y="0"/>
+          <a:ext cx="0" cy="0"/>
+          <a:chOff x="0" y="0"/>
+          <a:chExt cx="0" cy="0"/>
+        </a:xfrm>
+      </p:grpSpPr>
+      <p:pic>
+        <p:nvPicPr>
+          <p:cNvPr id="113" name="Google Shape;113;p21"/>
+          <p:cNvPicPr preferRelativeResize="0"/>
+          <p:nvPr/>
+        </p:nvPicPr>
+        <p:blipFill>
+          <a:blip r:embed="rId3">
+            <a:alphaModFix/>
+          </a:blip>
+          <a:stretch>
+            <a:fillRect/>
+          </a:stretch>
+        </p:blipFill>
+        <p:spPr>
+          <a:xfrm>
             <a:off x="2337925" y="472188"/>
             <a:ext cx="2087905" cy="4199124"/>
           </a:xfrm>
@@ -9422,7 +9709,7 @@
       </p:pic>
       <p:pic>
         <p:nvPicPr>
-          <p:cNvPr id="108" name="Google Shape;108;p20"/>
+          <p:cNvPr id="114" name="Google Shape;114;p21"/>
           <p:cNvPicPr preferRelativeResize="0"/>
           <p:nvPr/>
         </p:nvPicPr>
@@ -9450,7 +9737,7 @@
       </p:pic>
       <p:pic>
         <p:nvPicPr>
-          <p:cNvPr id="109" name="Google Shape;109;p20"/>
+          <p:cNvPr id="115" name="Google Shape;115;p21"/>
           <p:cNvPicPr preferRelativeResize="0"/>
           <p:nvPr/>
         </p:nvPicPr>
@@ -9478,7 +9765,7 @@
       </p:pic>
       <p:pic>
         <p:nvPicPr>
-          <p:cNvPr id="110" name="Google Shape;110;p20"/>
+          <p:cNvPr id="116" name="Google Shape;116;p21"/>
           <p:cNvPicPr preferRelativeResize="0"/>
           <p:nvPr/>
         </p:nvPicPr>
@@ -9494,100 +9781,6 @@
           <a:xfrm>
             <a:off x="257406" y="472200"/>
             <a:ext cx="1938044" cy="4199101"/>
-          </a:xfrm>
-          <a:prstGeom prst="rect">
-            <a:avLst/>
-          </a:prstGeom>
-          <a:noFill/>
-          <a:ln>
-            <a:noFill/>
-          </a:ln>
-        </p:spPr>
-      </p:pic>
-    </p:spTree>
-  </p:cSld>
-  <p:clrMapOvr>
-    <a:masterClrMapping/>
-  </p:clrMapOvr>
-</p:sld>
-</file>
-
-<file path=ppt/slides/slide9.xml><?xml version="1.0" encoding="utf-8"?>
-<p:sld xmlns:a="http://schemas.openxmlformats.org/drawingml/2006/main" xmlns:r="http://schemas.openxmlformats.org/officeDocument/2006/relationships" xmlns:mc="http://schemas.openxmlformats.org/markup-compatibility/2006" xmlns:mv="urn:schemas-microsoft-com:mac:vml" xmlns:p="http://schemas.openxmlformats.org/presentationml/2006/main" xmlns:c="http://schemas.openxmlformats.org/drawingml/2006/chart" xmlns:dgm="http://schemas.openxmlformats.org/drawingml/2006/diagram" xmlns:o="urn:schemas-microsoft-com:office:office" xmlns:v="urn:schemas-microsoft-com:vml" xmlns:pvml="urn:schemas-microsoft-com:office:powerpoint" xmlns:com="http://schemas.openxmlformats.org/drawingml/2006/compatibility" xmlns:p14="http://schemas.microsoft.com/office/powerpoint/2010/main" xmlns:p15="http://schemas.microsoft.com/office/powerpoint/2012/main" xmlns:ahyp="http://schemas.microsoft.com/office/drawing/2018/hyperlinkcolor">
-  <p:cSld>
-    <p:spTree>
-      <p:nvGrpSpPr>
-        <p:cNvPr id="114" name="Shape 114"/>
-        <p:cNvGrpSpPr/>
-        <p:nvPr/>
-      </p:nvGrpSpPr>
-      <p:grpSpPr>
-        <a:xfrm>
-          <a:off x="0" y="0"/>
-          <a:ext cx="0" cy="0"/>
-          <a:chOff x="0" y="0"/>
-          <a:chExt cx="0" cy="0"/>
-        </a:xfrm>
-      </p:grpSpPr>
-      <p:sp>
-        <p:nvSpPr>
-          <p:cNvPr id="115" name="Google Shape;115;p21"/>
-          <p:cNvSpPr txBox="1"/>
-          <p:nvPr>
-            <p:ph type="title"/>
-          </p:nvPr>
-        </p:nvSpPr>
-        <p:spPr>
-          <a:xfrm>
-            <a:off x="215225" y="417275"/>
-            <a:ext cx="4791900" cy="1079100"/>
-          </a:xfrm>
-          <a:prstGeom prst="rect">
-            <a:avLst/>
-          </a:prstGeom>
-        </p:spPr>
-        <p:txBody>
-          <a:bodyPr anchorCtr="0" anchor="b" bIns="91425" lIns="91425" spcFirstLastPara="1" rIns="91425" wrap="square" tIns="91425">
-            <a:noAutofit/>
-          </a:bodyPr>
-          <a:lstStyle/>
-          <a:p>
-            <a:pPr indent="0" lvl="0" marL="0" rtl="0" algn="l">
-              <a:spcBef>
-                <a:spcPts val="0"/>
-              </a:spcBef>
-              <a:spcAft>
-                <a:spcPts val="0"/>
-              </a:spcAft>
-              <a:buSzPts val="990"/>
-              <a:buNone/>
-            </a:pPr>
-            <a:r>
-              <a:rPr lang="en" sz="6300"/>
-              <a:t>Thank you</a:t>
-            </a:r>
-            <a:endParaRPr sz="6300"/>
-          </a:p>
-        </p:txBody>
-      </p:sp>
-      <p:pic>
-        <p:nvPicPr>
-          <p:cNvPr id="116" name="Google Shape;116;p21"/>
-          <p:cNvPicPr preferRelativeResize="0"/>
-          <p:nvPr/>
-        </p:nvPicPr>
-        <p:blipFill>
-          <a:blip r:embed="rId3">
-            <a:alphaModFix/>
-          </a:blip>
-          <a:stretch>
-            <a:fillRect/>
-          </a:stretch>
-        </p:blipFill>
-        <p:spPr>
-          <a:xfrm>
-            <a:off x="4830725" y="740875"/>
-            <a:ext cx="4174200" cy="4232325"/>
           </a:xfrm>
           <a:prstGeom prst="rect">
             <a:avLst/>
